--- a/spring12/slidesS12/simple-degrees.pptx
+++ b/spring12/slidesS12/simple-degrees.pptx
@@ -3792,11 +3792,6 @@
               </a:rPr>
               <a:t>Degrees</a:t>
             </a:r>
-            <a:endParaRPr lang="en-US" sz="7200" dirty="0" smtClean="0">
-              <a:solidFill>
-                <a:schemeClr val="tx2"/>
-              </a:solidFill>
-            </a:endParaRPr>
           </a:p>
         </p:txBody>
       </p:sp>
@@ -3966,7 +3961,7 @@
           <a:graphicData uri="http://schemas.openxmlformats.org/presentationml/2006/ole">
             <mc:AlternateContent xmlns:mc="http://schemas.openxmlformats.org/markup-compatibility/2006">
               <mc:Choice xmlns:v="urn:schemas-microsoft-com:vml" Requires="v">
-                <p:oleObj spid="_x0000_s576544" name="Equation" r:id="rId4" imgW="1346040" imgH="406080" progId="Equation.DSMT4">
+                <p:oleObj spid="_x0000_s576547" name="Equation" r:id="rId4" imgW="1346040" imgH="406080" progId="Equation.DSMT4">
                   <p:embed/>
                 </p:oleObj>
               </mc:Choice>
@@ -5790,7 +5785,7 @@
           <a:graphicData uri="http://schemas.openxmlformats.org/presentationml/2006/ole">
             <mc:AlternateContent xmlns:mc="http://schemas.openxmlformats.org/markup-compatibility/2006">
               <mc:Choice xmlns:v="urn:schemas-microsoft-com:vml" Requires="v">
-                <p:oleObj spid="_x0000_s1074" name="Equation" r:id="rId4" imgW="1777680" imgH="342720" progId="Equation.DSMT4">
+                <p:oleObj spid="_x0000_s1083" name="Equation" r:id="rId4" imgW="1777680" imgH="342720" progId="Equation.DSMT4">
                   <p:embed/>
                 </p:oleObj>
               </mc:Choice>
@@ -5926,7 +5921,7 @@
           <a:graphicData uri="http://schemas.openxmlformats.org/presentationml/2006/ole">
             <mc:AlternateContent xmlns:mc="http://schemas.openxmlformats.org/markup-compatibility/2006">
               <mc:Choice xmlns:v="urn:schemas-microsoft-com:vml" Requires="v">
-                <p:oleObj spid="_x0000_s1075" name="Equation" r:id="rId6" imgW="1828800" imgH="571320" progId="Equation.DSMT4">
+                <p:oleObj spid="_x0000_s1084" name="Equation" r:id="rId6" imgW="1828800" imgH="571320" progId="Equation.DSMT4">
                   <p:embed/>
                 </p:oleObj>
               </mc:Choice>
@@ -6002,7 +5997,7 @@
           <a:graphicData uri="http://schemas.openxmlformats.org/presentationml/2006/ole">
             <mc:AlternateContent xmlns:mc="http://schemas.openxmlformats.org/markup-compatibility/2006">
               <mc:Choice xmlns:v="urn:schemas-microsoft-com:vml" Requires="v">
-                <p:oleObj spid="_x0000_s1076" name="Equation" r:id="rId8" imgW="660400" imgH="419100" progId="Equation.DSMT4">
+                <p:oleObj spid="_x0000_s1085" name="Equation" r:id="rId8" imgW="660400" imgH="419100" progId="Equation.DSMT4">
                   <p:embed/>
                 </p:oleObj>
               </mc:Choice>
@@ -6072,7 +6067,7 @@
           <a:graphicData uri="http://schemas.openxmlformats.org/presentationml/2006/ole">
             <mc:AlternateContent xmlns:mc="http://schemas.openxmlformats.org/markup-compatibility/2006">
               <mc:Choice xmlns:v="urn:schemas-microsoft-com:vml" Requires="v">
-                <p:oleObj spid="_x0000_s1077" name="Equation" r:id="rId10" imgW="660400" imgH="419100" progId="Equation.DSMT4">
+                <p:oleObj spid="_x0000_s1086" name="Equation" r:id="rId10" imgW="660400" imgH="419100" progId="Equation.DSMT4">
                   <p:embed/>
                 </p:oleObj>
               </mc:Choice>
@@ -6487,7 +6482,7 @@
           <a:graphicData uri="http://schemas.openxmlformats.org/presentationml/2006/ole">
             <mc:AlternateContent xmlns:mc="http://schemas.openxmlformats.org/markup-compatibility/2006">
               <mc:Choice xmlns:v="urn:schemas-microsoft-com:vml" Requires="v">
-                <p:oleObj spid="_x0000_s655386" name="Equation" r:id="rId4" imgW="2273040" imgH="469800" progId="Equation.DSMT4">
+                <p:oleObj spid="_x0000_s655389" name="Equation" r:id="rId4" imgW="2273040" imgH="469800" progId="Equation.DSMT4">
                   <p:embed/>
                 </p:oleObj>
               </mc:Choice>
@@ -7347,7 +7342,7 @@
                 <a:buNone/>
               </a:pPr>
               <a:r>
-                <a:rPr lang="en-US" sz="3600"/>
+                <a:rPr lang="en-US" sz="3600" dirty="0"/>
                 <a:t>Directed Graph</a:t>
               </a:r>
             </a:p>
@@ -8717,7 +8712,7 @@
                             </p:stCondLst>
                             <p:childTnLst>
                               <p:par>
-                                <p:cTn id="5" presetID="1" presetClass="entr" presetSubtype="0" fill="hold" nodeType="clickEffect">
+                                <p:cTn id="5" presetID="9" presetClass="entr" presetSubtype="0" fill="hold" nodeType="clickEffect">
                                   <p:stCondLst>
                                     <p:cond delay="0"/>
                                   </p:stCondLst>
@@ -8740,6 +8735,14 @@
                                         <p:strVal val="visible"/>
                                       </p:to>
                                     </p:set>
+                                    <p:animEffect transition="in" filter="dissolve">
+                                      <p:cBhvr>
+                                        <p:cTn id="7" dur="500"/>
+                                        <p:tgtEl>
+                                          <p:spTgt spid="560171"/>
+                                        </p:tgtEl>
+                                      </p:cBhvr>
+                                    </p:animEffect>
                                   </p:childTnLst>
                                 </p:cTn>
                               </p:par>
@@ -8750,26 +8753,26 @@
                     </p:cTn>
                   </p:par>
                   <p:par>
-                    <p:cTn id="7" fill="hold">
+                    <p:cTn id="8" fill="hold">
                       <p:stCondLst>
                         <p:cond delay="indefinite"/>
                       </p:stCondLst>
                       <p:childTnLst>
                         <p:par>
-                          <p:cTn id="8" fill="hold">
+                          <p:cTn id="9" fill="hold">
                             <p:stCondLst>
                               <p:cond delay="0"/>
                             </p:stCondLst>
                             <p:childTnLst>
                               <p:par>
-                                <p:cTn id="9" presetID="1" presetClass="entr" presetSubtype="0" fill="hold" nodeType="clickEffect">
+                                <p:cTn id="10" presetID="9" presetClass="entr" presetSubtype="0" fill="hold" nodeType="clickEffect">
                                   <p:stCondLst>
                                     <p:cond delay="0"/>
                                   </p:stCondLst>
                                   <p:childTnLst>
                                     <p:set>
                                       <p:cBhvr>
-                                        <p:cTn id="10" dur="1" fill="hold">
+                                        <p:cTn id="11" dur="1" fill="hold">
                                           <p:stCondLst>
                                             <p:cond delay="0"/>
                                           </p:stCondLst>
@@ -8785,6 +8788,14 @@
                                         <p:strVal val="visible"/>
                                       </p:to>
                                     </p:set>
+                                    <p:animEffect transition="in" filter="dissolve">
+                                      <p:cBhvr>
+                                        <p:cTn id="12" dur="500"/>
+                                        <p:tgtEl>
+                                          <p:spTgt spid="560170"/>
+                                        </p:tgtEl>
+                                      </p:cBhvr>
+                                    </p:animEffect>
                                   </p:childTnLst>
                                 </p:cTn>
                               </p:par>
@@ -8795,26 +8806,79 @@
                     </p:cTn>
                   </p:par>
                   <p:par>
-                    <p:cTn id="11" fill="hold">
+                    <p:cTn id="13" fill="hold">
                       <p:stCondLst>
                         <p:cond delay="indefinite"/>
                       </p:stCondLst>
                       <p:childTnLst>
                         <p:par>
-                          <p:cTn id="12" fill="hold">
+                          <p:cTn id="14" fill="hold">
                             <p:stCondLst>
                               <p:cond delay="0"/>
                             </p:stCondLst>
                             <p:childTnLst>
                               <p:par>
-                                <p:cTn id="13" presetID="9" presetClass="entr" presetSubtype="0" fill="hold" grpId="0" nodeType="clickEffect">
+                                <p:cTn id="15" presetID="9" presetClass="entr" presetSubtype="0" fill="hold" grpId="0" nodeType="clickEffect">
                                   <p:stCondLst>
                                     <p:cond delay="0"/>
                                   </p:stCondLst>
                                   <p:childTnLst>
                                     <p:set>
                                       <p:cBhvr>
-                                        <p:cTn id="14" dur="1" fill="hold">
+                                        <p:cTn id="16" dur="1" fill="hold">
+                                          <p:stCondLst>
+                                            <p:cond delay="0"/>
+                                          </p:stCondLst>
+                                        </p:cTn>
+                                        <p:tgtEl>
+                                          <p:spTgt spid="560174"/>
+                                        </p:tgtEl>
+                                        <p:attrNameLst>
+                                          <p:attrName>style.visibility</p:attrName>
+                                        </p:attrNameLst>
+                                      </p:cBhvr>
+                                      <p:to>
+                                        <p:strVal val="visible"/>
+                                      </p:to>
+                                    </p:set>
+                                    <p:animEffect transition="in" filter="dissolve">
+                                      <p:cBhvr>
+                                        <p:cTn id="17" dur="1000"/>
+                                        <p:tgtEl>
+                                          <p:spTgt spid="560174"/>
+                                        </p:tgtEl>
+                                      </p:cBhvr>
+                                    </p:animEffect>
+                                  </p:childTnLst>
+                                </p:cTn>
+                              </p:par>
+                            </p:childTnLst>
+                          </p:cTn>
+                        </p:par>
+                      </p:childTnLst>
+                    </p:cTn>
+                  </p:par>
+                  <p:par>
+                    <p:cTn id="18" fill="hold">
+                      <p:stCondLst>
+                        <p:cond delay="indefinite"/>
+                      </p:stCondLst>
+                      <p:childTnLst>
+                        <p:par>
+                          <p:cTn id="19" fill="hold">
+                            <p:stCondLst>
+                              <p:cond delay="0"/>
+                            </p:stCondLst>
+                            <p:childTnLst>
+                              <p:par>
+                                <p:cTn id="20" presetID="9" presetClass="entr" presetSubtype="0" fill="hold" grpId="0" nodeType="clickEffect">
+                                  <p:stCondLst>
+                                    <p:cond delay="0"/>
+                                  </p:stCondLst>
+                                  <p:childTnLst>
+                                    <p:set>
+                                      <p:cBhvr>
+                                        <p:cTn id="21" dur="1" fill="hold">
                                           <p:stCondLst>
                                             <p:cond delay="0"/>
                                           </p:stCondLst>
@@ -8832,7 +8896,7 @@
                                     </p:set>
                                     <p:animEffect transition="in" filter="dissolve">
                                       <p:cBhvr>
-                                        <p:cTn id="15" dur="500"/>
+                                        <p:cTn id="22" dur="500"/>
                                         <p:tgtEl>
                                           <p:spTgt spid="38"/>
                                         </p:tgtEl>
@@ -8845,20 +8909,20 @@
                           </p:cTn>
                         </p:par>
                         <p:par>
-                          <p:cTn id="16" fill="hold">
+                          <p:cTn id="23" fill="hold">
                             <p:stCondLst>
                               <p:cond delay="500"/>
                             </p:stCondLst>
                             <p:childTnLst>
                               <p:par>
-                                <p:cTn id="17" presetID="9" presetClass="entr" presetSubtype="0" fill="hold" grpId="0" nodeType="afterEffect">
+                                <p:cTn id="24" presetID="9" presetClass="entr" presetSubtype="0" fill="hold" grpId="0" nodeType="afterEffect">
                                   <p:stCondLst>
                                     <p:cond delay="0"/>
                                   </p:stCondLst>
                                   <p:childTnLst>
                                     <p:set>
                                       <p:cBhvr>
-                                        <p:cTn id="18" dur="1" fill="hold">
+                                        <p:cTn id="25" dur="1" fill="hold">
                                           <p:stCondLst>
                                             <p:cond delay="0"/>
                                           </p:stCondLst>
@@ -8876,7 +8940,7 @@
                                     </p:set>
                                     <p:animEffect transition="in" filter="dissolve">
                                       <p:cBhvr>
-                                        <p:cTn id="19" dur="1000"/>
+                                        <p:cTn id="26" dur="1000"/>
                                         <p:tgtEl>
                                           <p:spTgt spid="560162"/>
                                         </p:tgtEl>
@@ -8886,14 +8950,14 @@
                                 </p:cTn>
                               </p:par>
                               <p:par>
-                                <p:cTn id="20" presetID="9" presetClass="entr" presetSubtype="0" fill="hold" grpId="0" nodeType="withEffect">
+                                <p:cTn id="27" presetID="9" presetClass="entr" presetSubtype="0" fill="hold" grpId="0" nodeType="withEffect">
                                   <p:stCondLst>
                                     <p:cond delay="0"/>
                                   </p:stCondLst>
                                   <p:childTnLst>
                                     <p:set>
                                       <p:cBhvr>
-                                        <p:cTn id="21" dur="1" fill="hold">
+                                        <p:cTn id="28" dur="1" fill="hold">
                                           <p:stCondLst>
                                             <p:cond delay="0"/>
                                           </p:stCondLst>
@@ -8911,53 +8975,9 @@
                                     </p:set>
                                     <p:animEffect transition="in" filter="dissolve">
                                       <p:cBhvr>
-                                        <p:cTn id="22" dur="500"/>
+                                        <p:cTn id="29" dur="500"/>
                                         <p:tgtEl>
                                           <p:spTgt spid="37"/>
-                                        </p:tgtEl>
-                                      </p:cBhvr>
-                                    </p:animEffect>
-                                  </p:childTnLst>
-                                </p:cTn>
-                              </p:par>
-                            </p:childTnLst>
-                          </p:cTn>
-                        </p:par>
-                        <p:par>
-                          <p:cTn id="23" fill="hold">
-                            <p:stCondLst>
-                              <p:cond delay="1500"/>
-                            </p:stCondLst>
-                            <p:childTnLst>
-                              <p:par>
-                                <p:cTn id="24" presetID="9" presetClass="entr" presetSubtype="0" fill="hold" grpId="0" nodeType="afterEffect">
-                                  <p:stCondLst>
-                                    <p:cond delay="0"/>
-                                  </p:stCondLst>
-                                  <p:childTnLst>
-                                    <p:set>
-                                      <p:cBhvr>
-                                        <p:cTn id="25" dur="1" fill="hold">
-                                          <p:stCondLst>
-                                            <p:cond delay="0"/>
-                                          </p:stCondLst>
-                                        </p:cTn>
-                                        <p:tgtEl>
-                                          <p:spTgt spid="560174"/>
-                                        </p:tgtEl>
-                                        <p:attrNameLst>
-                                          <p:attrName>style.visibility</p:attrName>
-                                        </p:attrNameLst>
-                                      </p:cBhvr>
-                                      <p:to>
-                                        <p:strVal val="visible"/>
-                                      </p:to>
-                                    </p:set>
-                                    <p:animEffect transition="in" filter="dissolve">
-                                      <p:cBhvr>
-                                        <p:cTn id="26" dur="1000"/>
-                                        <p:tgtEl>
-                                          <p:spTgt spid="560174"/>
                                         </p:tgtEl>
                                       </p:cBhvr>
                                     </p:animEffect>
@@ -13119,7 +13139,7 @@
                             </p:stCondLst>
                             <p:childTnLst>
                               <p:par>
-                                <p:cTn id="5" presetID="10" presetClass="entr" presetSubtype="0" fill="hold" grpId="0" nodeType="clickEffect">
+                                <p:cTn id="5" presetID="1" presetClass="entr" presetSubtype="0" fill="hold" nodeType="clickEffect">
                                   <p:stCondLst>
                                     <p:cond delay="0"/>
                                   </p:stCondLst>
@@ -13127,59 +13147,6 @@
                                     <p:set>
                                       <p:cBhvr>
                                         <p:cTn id="6" dur="1" fill="hold">
-                                          <p:stCondLst>
-                                            <p:cond delay="0"/>
-                                          </p:stCondLst>
-                                        </p:cTn>
-                                        <p:tgtEl>
-                                          <p:spTgt spid="569346"/>
-                                        </p:tgtEl>
-                                        <p:attrNameLst>
-                                          <p:attrName>style.visibility</p:attrName>
-                                        </p:attrNameLst>
-                                      </p:cBhvr>
-                                      <p:to>
-                                        <p:strVal val="visible"/>
-                                      </p:to>
-                                    </p:set>
-                                    <p:animEffect transition="in" filter="fade">
-                                      <p:cBhvr>
-                                        <p:cTn id="7" dur="500"/>
-                                        <p:tgtEl>
-                                          <p:spTgt spid="569346"/>
-                                        </p:tgtEl>
-                                      </p:cBhvr>
-                                    </p:animEffect>
-                                  </p:childTnLst>
-                                </p:cTn>
-                              </p:par>
-                            </p:childTnLst>
-                          </p:cTn>
-                        </p:par>
-                      </p:childTnLst>
-                    </p:cTn>
-                  </p:par>
-                  <p:par>
-                    <p:cTn id="8" fill="hold">
-                      <p:stCondLst>
-                        <p:cond delay="indefinite"/>
-                      </p:stCondLst>
-                      <p:childTnLst>
-                        <p:par>
-                          <p:cTn id="9" fill="hold">
-                            <p:stCondLst>
-                              <p:cond delay="0"/>
-                            </p:stCondLst>
-                            <p:childTnLst>
-                              <p:par>
-                                <p:cTn id="10" presetID="1" presetClass="entr" presetSubtype="0" fill="hold" nodeType="clickEffect">
-                                  <p:stCondLst>
-                                    <p:cond delay="0"/>
-                                  </p:stCondLst>
-                                  <p:childTnLst>
-                                    <p:set>
-                                      <p:cBhvr>
-                                        <p:cTn id="11" dur="1" fill="hold">
                                           <p:stCondLst>
                                             <p:cond delay="0"/>
                                           </p:stCondLst>
@@ -13205,26 +13172,26 @@
                     </p:cTn>
                   </p:par>
                   <p:par>
-                    <p:cTn id="12" fill="hold">
+                    <p:cTn id="7" fill="hold">
                       <p:stCondLst>
                         <p:cond delay="indefinite"/>
                       </p:stCondLst>
                       <p:childTnLst>
                         <p:par>
-                          <p:cTn id="13" fill="hold">
+                          <p:cTn id="8" fill="hold">
                             <p:stCondLst>
                               <p:cond delay="0"/>
                             </p:stCondLst>
                             <p:childTnLst>
                               <p:par>
-                                <p:cTn id="14" presetID="22" presetClass="entr" presetSubtype="1" fill="hold" nodeType="clickEffect">
+                                <p:cTn id="9" presetID="22" presetClass="entr" presetSubtype="1" fill="hold" nodeType="clickEffect">
                                   <p:stCondLst>
                                     <p:cond delay="0"/>
                                   </p:stCondLst>
                                   <p:childTnLst>
                                     <p:set>
                                       <p:cBhvr>
-                                        <p:cTn id="15" dur="1" fill="hold">
+                                        <p:cTn id="10" dur="1" fill="hold">
                                           <p:stCondLst>
                                             <p:cond delay="0"/>
                                           </p:stCondLst>
@@ -13242,7 +13209,7 @@
                                     </p:set>
                                     <p:animEffect transition="in" filter="wipe(up)">
                                       <p:cBhvr>
-                                        <p:cTn id="16" dur="1000"/>
+                                        <p:cTn id="11" dur="1000"/>
                                         <p:tgtEl>
                                           <p:spTgt spid="28"/>
                                         </p:tgtEl>
@@ -13278,9 +13245,6 @@
         </p:cTn>
       </p:par>
     </p:tnLst>
-    <p:bldLst>
-      <p:bldP spid="569346" grpId="0"/>
-    </p:bldLst>
   </p:timing>
 </p:sld>
 </file>
@@ -14322,6 +14286,9 @@
                     <p:cTn id="3" fill="hold">
                       <p:stCondLst>
                         <p:cond delay="indefinite"/>
+                        <p:cond evt="onBegin" delay="0">
+                          <p:tn val="2"/>
+                        </p:cond>
                       </p:stCondLst>
                       <p:childTnLst>
                         <p:par>
@@ -14331,7 +14298,7 @@
                             </p:stCondLst>
                             <p:childTnLst>
                               <p:par>
-                                <p:cTn id="5" presetID="22" presetClass="entr" presetSubtype="4" fill="hold" nodeType="clickEffect">
+                                <p:cTn id="5" presetID="22" presetClass="entr" presetSubtype="4" fill="hold" nodeType="afterEffect">
                                   <p:stCondLst>
                                     <p:cond delay="0"/>
                                   </p:stCondLst>
@@ -15693,7 +15660,7 @@
           <a:graphicData uri="http://schemas.openxmlformats.org/presentationml/2006/ole">
             <mc:AlternateContent xmlns:mc="http://schemas.openxmlformats.org/markup-compatibility/2006">
               <mc:Choice xmlns:v="urn:schemas-microsoft-com:vml" Requires="v">
-                <p:oleObj spid="_x0000_s575514" name="Equation" r:id="rId4" imgW="1346040" imgH="406080" progId="Equation.DSMT4">
+                <p:oleObj spid="_x0000_s575517" name="Equation" r:id="rId4" imgW="1346040" imgH="406080" progId="Equation.DSMT4">
                   <p:embed/>
                 </p:oleObj>
               </mc:Choice>
